--- a/src/bims_tour_coup.pptx
+++ b/src/bims_tour_coup.pptx
@@ -243,7 +243,7 @@
           <a:p>
             <a:fld id="{666437CF-6810-4A08-BF63-137A709DEE82}" type="datetimeFigureOut">
               <a:rPr lang="fr-FR" smtClean="0"/>
-              <a:t>16/12/2024</a:t>
+              <a:t>17/12/2024</a:t>
             </a:fld>
             <a:endParaRPr lang="fr-FR" dirty="0"/>
           </a:p>
@@ -413,7 +413,7 @@
           <a:p>
             <a:fld id="{666437CF-6810-4A08-BF63-137A709DEE82}" type="datetimeFigureOut">
               <a:rPr lang="fr-FR" smtClean="0"/>
-              <a:t>16/12/2024</a:t>
+              <a:t>17/12/2024</a:t>
             </a:fld>
             <a:endParaRPr lang="fr-FR" dirty="0"/>
           </a:p>
@@ -593,7 +593,7 @@
           <a:p>
             <a:fld id="{666437CF-6810-4A08-BF63-137A709DEE82}" type="datetimeFigureOut">
               <a:rPr lang="fr-FR" smtClean="0"/>
-              <a:t>16/12/2024</a:t>
+              <a:t>17/12/2024</a:t>
             </a:fld>
             <a:endParaRPr lang="fr-FR" dirty="0"/>
           </a:p>
@@ -763,7 +763,7 @@
           <a:p>
             <a:fld id="{666437CF-6810-4A08-BF63-137A709DEE82}" type="datetimeFigureOut">
               <a:rPr lang="fr-FR" smtClean="0"/>
-              <a:t>16/12/2024</a:t>
+              <a:t>17/12/2024</a:t>
             </a:fld>
             <a:endParaRPr lang="fr-FR" dirty="0"/>
           </a:p>
@@ -1007,7 +1007,7 @@
           <a:p>
             <a:fld id="{666437CF-6810-4A08-BF63-137A709DEE82}" type="datetimeFigureOut">
               <a:rPr lang="fr-FR" smtClean="0"/>
-              <a:t>16/12/2024</a:t>
+              <a:t>17/12/2024</a:t>
             </a:fld>
             <a:endParaRPr lang="fr-FR" dirty="0"/>
           </a:p>
@@ -1239,7 +1239,7 @@
           <a:p>
             <a:fld id="{666437CF-6810-4A08-BF63-137A709DEE82}" type="datetimeFigureOut">
               <a:rPr lang="fr-FR" smtClean="0"/>
-              <a:t>16/12/2024</a:t>
+              <a:t>17/12/2024</a:t>
             </a:fld>
             <a:endParaRPr lang="fr-FR" dirty="0"/>
           </a:p>
@@ -1606,7 +1606,7 @@
           <a:p>
             <a:fld id="{666437CF-6810-4A08-BF63-137A709DEE82}" type="datetimeFigureOut">
               <a:rPr lang="fr-FR" smtClean="0"/>
-              <a:t>16/12/2024</a:t>
+              <a:t>17/12/2024</a:t>
             </a:fld>
             <a:endParaRPr lang="fr-FR" dirty="0"/>
           </a:p>
@@ -1724,7 +1724,7 @@
           <a:p>
             <a:fld id="{666437CF-6810-4A08-BF63-137A709DEE82}" type="datetimeFigureOut">
               <a:rPr lang="fr-FR" smtClean="0"/>
-              <a:t>16/12/2024</a:t>
+              <a:t>17/12/2024</a:t>
             </a:fld>
             <a:endParaRPr lang="fr-FR" dirty="0"/>
           </a:p>
@@ -1819,7 +1819,7 @@
           <a:p>
             <a:fld id="{666437CF-6810-4A08-BF63-137A709DEE82}" type="datetimeFigureOut">
               <a:rPr lang="fr-FR" smtClean="0"/>
-              <a:t>16/12/2024</a:t>
+              <a:t>17/12/2024</a:t>
             </a:fld>
             <a:endParaRPr lang="fr-FR" dirty="0"/>
           </a:p>
@@ -2096,7 +2096,7 @@
           <a:p>
             <a:fld id="{666437CF-6810-4A08-BF63-137A709DEE82}" type="datetimeFigureOut">
               <a:rPr lang="fr-FR" smtClean="0"/>
-              <a:t>16/12/2024</a:t>
+              <a:t>17/12/2024</a:t>
             </a:fld>
             <a:endParaRPr lang="fr-FR" dirty="0"/>
           </a:p>
@@ -2353,7 +2353,7 @@
           <a:p>
             <a:fld id="{666437CF-6810-4A08-BF63-137A709DEE82}" type="datetimeFigureOut">
               <a:rPr lang="fr-FR" smtClean="0"/>
-              <a:t>16/12/2024</a:t>
+              <a:t>17/12/2024</a:t>
             </a:fld>
             <a:endParaRPr lang="fr-FR" dirty="0"/>
           </a:p>
@@ -2566,7 +2566,7 @@
           <a:p>
             <a:fld id="{666437CF-6810-4A08-BF63-137A709DEE82}" type="datetimeFigureOut">
               <a:rPr lang="fr-FR" smtClean="0"/>
-              <a:t>16/12/2024</a:t>
+              <a:t>17/12/2024</a:t>
             </a:fld>
             <a:endParaRPr lang="fr-FR" dirty="0"/>
           </a:p>
@@ -3117,8 +3117,8 @@
         </p:nvSpPr>
         <p:spPr>
           <a:xfrm rot="21237303">
-            <a:off x="458117" y="6205908"/>
-            <a:ext cx="20068571" cy="4093428"/>
+            <a:off x="1724860" y="5146245"/>
+            <a:ext cx="18798296" cy="4093428"/>
           </a:xfrm>
           <a:prstGeom prst="rect">
             <a:avLst/>
@@ -3135,7 +3135,7 @@
           </a:effectLst>
         </p:spPr>
         <p:txBody>
-          <a:bodyPr wrap="none" rtlCol="0">
+          <a:bodyPr wrap="square" rtlCol="0">
             <a:spAutoFit/>
           </a:bodyPr>
           <a:lstStyle/>
@@ -3147,7 +3147,7 @@
                 </a:solidFill>
                 <a:latin typeface="Lexend"/>
               </a:rPr>
-              <a:t>     BIMS DAY    </a:t>
+              <a:t>  BIMS DAY    </a:t>
             </a:r>
           </a:p>
         </p:txBody>
@@ -3180,7 +3180,7 @@
         </p:blipFill>
         <p:spPr>
           <a:xfrm rot="21120346">
-            <a:off x="17391725" y="561769"/>
+            <a:off x="17333116" y="236987"/>
             <a:ext cx="12181300" cy="12181300"/>
           </a:xfrm>
           <a:prstGeom prst="rect">
@@ -3209,7 +3209,7 @@
         </p:nvSpPr>
         <p:spPr>
           <a:xfrm rot="21237303">
-            <a:off x="11828861" y="10741421"/>
+            <a:off x="6916235" y="9905397"/>
             <a:ext cx="6942926" cy="4093428"/>
           </a:xfrm>
           <a:prstGeom prst="rect">
@@ -3241,6 +3241,60 @@
               </a:rPr>
               <a:t>2025</a:t>
             </a:r>
+          </a:p>
+        </p:txBody>
+      </p:sp>
+      <p:sp>
+        <p:nvSpPr>
+          <p:cNvPr id="7" name="Rectangle 6">
+            <a:extLst>
+              <a:ext uri="{FF2B5EF4-FFF2-40B4-BE49-F238E27FC236}">
+                <a16:creationId xmlns:a16="http://schemas.microsoft.com/office/drawing/2014/main" id="{C36B6AB7-5539-43B0-BE63-5A4162D02036}"/>
+              </a:ext>
+            </a:extLst>
+          </p:cNvPr>
+          <p:cNvSpPr/>
+          <p:nvPr/>
+        </p:nvSpPr>
+        <p:spPr>
+          <a:xfrm>
+            <a:off x="14656844" y="12916972"/>
+            <a:ext cx="15089432" cy="5429029"/>
+          </a:xfrm>
+          <a:prstGeom prst="rect">
+            <a:avLst/>
+          </a:prstGeom>
+          <a:solidFill>
+            <a:srgbClr val="1B7081">
+              <a:alpha val="65882"/>
+            </a:srgbClr>
+          </a:solidFill>
+          <a:effectLst>
+            <a:softEdge rad="635000"/>
+          </a:effectLst>
+        </p:spPr>
+        <p:style>
+          <a:lnRef idx="2">
+            <a:schemeClr val="accent1">
+              <a:shade val="50000"/>
+            </a:schemeClr>
+          </a:lnRef>
+          <a:fillRef idx="1">
+            <a:schemeClr val="accent1"/>
+          </a:fillRef>
+          <a:effectRef idx="0">
+            <a:schemeClr val="accent1"/>
+          </a:effectRef>
+          <a:fontRef idx="minor">
+            <a:schemeClr val="lt1"/>
+          </a:fontRef>
+        </p:style>
+        <p:txBody>
+          <a:bodyPr rtlCol="0" anchor="ctr"/>
+          <a:lstStyle/>
+          <a:p>
+            <a:pPr algn="ctr"/>
+            <a:endParaRPr lang="fr-FR"/>
           </a:p>
         </p:txBody>
       </p:sp>

--- a/src/bims_tour_coup.pptx
+++ b/src/bims_tour_coup.pptx
@@ -6,6 +6,8 @@
   </p:sldMasterIdLst>
   <p:sldIdLst>
     <p:sldId id="256" r:id="rId2"/>
+    <p:sldId id="258" r:id="rId3"/>
+    <p:sldId id="257" r:id="rId4"/>
   </p:sldIdLst>
   <p:sldSz cx="30600650" cy="19799300"/>
   <p:notesSz cx="6858000" cy="9144000"/>
@@ -3117,8 +3119,8 @@
         </p:nvSpPr>
         <p:spPr>
           <a:xfrm rot="21237303">
-            <a:off x="1724860" y="5146245"/>
-            <a:ext cx="18798296" cy="4093428"/>
+            <a:off x="1938791" y="3010531"/>
+            <a:ext cx="16022986" cy="4093428"/>
           </a:xfrm>
           <a:prstGeom prst="rect">
             <a:avLst/>
@@ -3147,7 +3149,7 @@
                 </a:solidFill>
                 <a:latin typeface="Lexend"/>
               </a:rPr>
-              <a:t>  BIMS DAY    </a:t>
+              <a:t>  BIMS’ DAY    </a:t>
             </a:r>
           </a:p>
         </p:txBody>
@@ -3179,8 +3181,8 @@
           </a:stretch>
         </p:blipFill>
         <p:spPr>
-          <a:xfrm rot="21120346">
-            <a:off x="17333116" y="236987"/>
+          <a:xfrm rot="21385421">
+            <a:off x="16517954" y="522737"/>
             <a:ext cx="12181300" cy="12181300"/>
           </a:xfrm>
           <a:prstGeom prst="rect">
@@ -3209,8 +3211,8 @@
         </p:nvSpPr>
         <p:spPr>
           <a:xfrm rot="21237303">
-            <a:off x="6916235" y="9905397"/>
-            <a:ext cx="6942926" cy="4093428"/>
+            <a:off x="5145667" y="7619398"/>
+            <a:ext cx="8970726" cy="4093428"/>
           </a:xfrm>
           <a:prstGeom prst="rect">
             <a:avLst/>
@@ -3239,7 +3241,7 @@
                 </a:solidFill>
                 <a:latin typeface="Lexend"/>
               </a:rPr>
-              <a:t>2025</a:t>
+              <a:t>25 ans</a:t>
             </a:r>
           </a:p>
         </p:txBody>
@@ -3258,8 +3260,8 @@
         </p:nvSpPr>
         <p:spPr>
           <a:xfrm>
-            <a:off x="14656844" y="12916972"/>
-            <a:ext cx="15089432" cy="5429029"/>
+            <a:off x="10096500" y="12502129"/>
+            <a:ext cx="17983200" cy="6467190"/>
           </a:xfrm>
           <a:prstGeom prst="rect">
             <a:avLst/>
@@ -3302,6 +3304,908 @@
     <p:extLst>
       <p:ext uri="{BB962C8B-B14F-4D97-AF65-F5344CB8AC3E}">
         <p14:creationId xmlns:p14="http://schemas.microsoft.com/office/powerpoint/2010/main" val="291441432"/>
+      </p:ext>
+    </p:extLst>
+  </p:cSld>
+  <p:clrMapOvr>
+    <a:masterClrMapping/>
+  </p:clrMapOvr>
+</p:sld>
+</file>
+
+<file path=ppt/slides/slide2.xml><?xml version="1.0" encoding="utf-8"?>
+<p:sld xmlns:a="http://schemas.openxmlformats.org/drawingml/2006/main" xmlns:r="http://schemas.openxmlformats.org/officeDocument/2006/relationships" xmlns:p="http://schemas.openxmlformats.org/presentationml/2006/main">
+  <p:cSld>
+    <p:spTree>
+      <p:nvGrpSpPr>
+        <p:cNvPr id="1" name=""/>
+        <p:cNvGrpSpPr/>
+        <p:nvPr/>
+      </p:nvGrpSpPr>
+      <p:grpSpPr>
+        <a:xfrm>
+          <a:off x="0" y="0"/>
+          <a:ext cx="0" cy="0"/>
+          <a:chOff x="0" y="0"/>
+          <a:chExt cx="0" cy="0"/>
+        </a:xfrm>
+      </p:grpSpPr>
+      <p:sp>
+        <p:nvSpPr>
+          <p:cNvPr id="2" name="Rectangle 1">
+            <a:extLst>
+              <a:ext uri="{FF2B5EF4-FFF2-40B4-BE49-F238E27FC236}">
+                <a16:creationId xmlns:a16="http://schemas.microsoft.com/office/drawing/2014/main" id="{FCB650D4-3846-4BF2-8828-B5FFB2B4789C}"/>
+              </a:ext>
+            </a:extLst>
+          </p:cNvPr>
+          <p:cNvSpPr/>
+          <p:nvPr/>
+        </p:nvSpPr>
+        <p:spPr>
+          <a:xfrm>
+            <a:off x="0" y="0"/>
+            <a:ext cx="30600650" cy="19799300"/>
+          </a:xfrm>
+          <a:prstGeom prst="rect">
+            <a:avLst/>
+          </a:prstGeom>
+          <a:solidFill>
+            <a:srgbClr val="F6AF34"/>
+          </a:solidFill>
+          <a:ln>
+            <a:noFill/>
+          </a:ln>
+        </p:spPr>
+        <p:style>
+          <a:lnRef idx="2">
+            <a:schemeClr val="accent1">
+              <a:shade val="50000"/>
+            </a:schemeClr>
+          </a:lnRef>
+          <a:fillRef idx="1">
+            <a:schemeClr val="accent1"/>
+          </a:fillRef>
+          <a:effectRef idx="0">
+            <a:schemeClr val="accent1"/>
+          </a:effectRef>
+          <a:fontRef idx="minor">
+            <a:schemeClr val="lt1"/>
+          </a:fontRef>
+        </p:style>
+        <p:txBody>
+          <a:bodyPr rtlCol="0" anchor="ctr"/>
+          <a:lstStyle/>
+          <a:p>
+            <a:pPr algn="ctr"/>
+            <a:endParaRPr lang="fr-FR" dirty="0"/>
+          </a:p>
+        </p:txBody>
+      </p:sp>
+      <p:sp>
+        <p:nvSpPr>
+          <p:cNvPr id="5" name="Forme libre : forme 4">
+            <a:extLst>
+              <a:ext uri="{FF2B5EF4-FFF2-40B4-BE49-F238E27FC236}">
+                <a16:creationId xmlns:a16="http://schemas.microsoft.com/office/drawing/2014/main" id="{F36E0397-13E3-442C-B54C-A641ED3E07DC}"/>
+              </a:ext>
+            </a:extLst>
+          </p:cNvPr>
+          <p:cNvSpPr/>
+          <p:nvPr/>
+        </p:nvSpPr>
+        <p:spPr>
+          <a:xfrm rot="5068837">
+            <a:off x="414644" y="-7318412"/>
+            <a:ext cx="30630904" cy="40213094"/>
+          </a:xfrm>
+          <a:custGeom>
+            <a:avLst/>
+            <a:gdLst>
+              <a:gd name="connsiteX0" fmla="*/ 2031863 w 7684518"/>
+              <a:gd name="connsiteY0" fmla="*/ 0 h 12122634"/>
+              <a:gd name="connsiteX1" fmla="*/ 559323 w 7684518"/>
+              <a:gd name="connsiteY1" fmla="*/ 1900052 h 12122634"/>
+              <a:gd name="connsiteX2" fmla="*/ 1628102 w 7684518"/>
+              <a:gd name="connsiteY2" fmla="*/ 5427024 h 12122634"/>
+              <a:gd name="connsiteX3" fmla="*/ 72435 w 7684518"/>
+              <a:gd name="connsiteY3" fmla="*/ 11614068 h 12122634"/>
+              <a:gd name="connsiteX4" fmla="*/ 4430679 w 7684518"/>
+              <a:gd name="connsiteY4" fmla="*/ 11519065 h 12122634"/>
+              <a:gd name="connsiteX5" fmla="*/ 3445027 w 7684518"/>
+              <a:gd name="connsiteY5" fmla="*/ 9512136 h 12122634"/>
+              <a:gd name="connsiteX6" fmla="*/ 7684518 w 7684518"/>
+              <a:gd name="connsiteY6" fmla="*/ 6531429 h 12122634"/>
+            </a:gdLst>
+            <a:ahLst/>
+            <a:cxnLst>
+              <a:cxn ang="0">
+                <a:pos x="connsiteX0" y="connsiteY0"/>
+              </a:cxn>
+              <a:cxn ang="0">
+                <a:pos x="connsiteX1" y="connsiteY1"/>
+              </a:cxn>
+              <a:cxn ang="0">
+                <a:pos x="connsiteX2" y="connsiteY2"/>
+              </a:cxn>
+              <a:cxn ang="0">
+                <a:pos x="connsiteX3" y="connsiteY3"/>
+              </a:cxn>
+              <a:cxn ang="0">
+                <a:pos x="connsiteX4" y="connsiteY4"/>
+              </a:cxn>
+              <a:cxn ang="0">
+                <a:pos x="connsiteX5" y="connsiteY5"/>
+              </a:cxn>
+              <a:cxn ang="0">
+                <a:pos x="connsiteX6" y="connsiteY6"/>
+              </a:cxn>
+            </a:cxnLst>
+            <a:rect l="l" t="t" r="r" b="b"/>
+            <a:pathLst>
+              <a:path w="7684518" h="12122634">
+                <a:moveTo>
+                  <a:pt x="2031863" y="0"/>
+                </a:moveTo>
+                <a:cubicBezTo>
+                  <a:pt x="1329239" y="497774"/>
+                  <a:pt x="626616" y="995548"/>
+                  <a:pt x="559323" y="1900052"/>
+                </a:cubicBezTo>
+                <a:cubicBezTo>
+                  <a:pt x="492030" y="2804556"/>
+                  <a:pt x="1709250" y="3808021"/>
+                  <a:pt x="1628102" y="5427024"/>
+                </a:cubicBezTo>
+                <a:cubicBezTo>
+                  <a:pt x="1546954" y="7046027"/>
+                  <a:pt x="-394661" y="10598728"/>
+                  <a:pt x="72435" y="11614068"/>
+                </a:cubicBezTo>
+                <a:cubicBezTo>
+                  <a:pt x="539531" y="12629408"/>
+                  <a:pt x="3868580" y="11869387"/>
+                  <a:pt x="4430679" y="11519065"/>
+                </a:cubicBezTo>
+                <a:cubicBezTo>
+                  <a:pt x="4992778" y="11168743"/>
+                  <a:pt x="2902721" y="10343409"/>
+                  <a:pt x="3445027" y="9512136"/>
+                </a:cubicBezTo>
+                <a:cubicBezTo>
+                  <a:pt x="3987333" y="8680863"/>
+                  <a:pt x="6647406" y="7020297"/>
+                  <a:pt x="7684518" y="6531429"/>
+                </a:cubicBezTo>
+              </a:path>
+            </a:pathLst>
+          </a:custGeom>
+          <a:noFill/>
+          <a:ln w="222250">
+            <a:solidFill>
+              <a:srgbClr val="017F82">
+                <a:alpha val="50196"/>
+              </a:srgbClr>
+            </a:solidFill>
+          </a:ln>
+        </p:spPr>
+        <p:style>
+          <a:lnRef idx="2">
+            <a:schemeClr val="accent1">
+              <a:shade val="50000"/>
+            </a:schemeClr>
+          </a:lnRef>
+          <a:fillRef idx="1">
+            <a:schemeClr val="accent1"/>
+          </a:fillRef>
+          <a:effectRef idx="0">
+            <a:schemeClr val="accent1"/>
+          </a:effectRef>
+          <a:fontRef idx="minor">
+            <a:schemeClr val="lt1"/>
+          </a:fontRef>
+        </p:style>
+        <p:txBody>
+          <a:bodyPr rtlCol="0" anchor="ctr"/>
+          <a:lstStyle/>
+          <a:p>
+            <a:pPr algn="ctr"/>
+            <a:endParaRPr lang="fr-FR" dirty="0"/>
+          </a:p>
+        </p:txBody>
+      </p:sp>
+      <p:pic>
+        <p:nvPicPr>
+          <p:cNvPr id="4" name="Graphique 3" descr="Réunion avec un remplissage uni">
+            <a:extLst>
+              <a:ext uri="{FF2B5EF4-FFF2-40B4-BE49-F238E27FC236}">
+                <a16:creationId xmlns:a16="http://schemas.microsoft.com/office/drawing/2014/main" id="{72AB21D2-62C2-4AC8-90A3-D064BFA7F953}"/>
+              </a:ext>
+            </a:extLst>
+          </p:cNvPr>
+          <p:cNvPicPr>
+            <a:picLocks noChangeAspect="1"/>
+          </p:cNvPicPr>
+          <p:nvPr/>
+        </p:nvPicPr>
+        <p:blipFill>
+          <a:blip r:embed="rId2">
+            <a:extLst>
+              <a:ext uri="{28A0092B-C50C-407E-A947-70E740481C1C}">
+                <a14:useLocalDpi xmlns:a14="http://schemas.microsoft.com/office/drawing/2010/main" val="0"/>
+              </a:ext>
+              <a:ext uri="{96DAC541-7B7A-43D3-8B79-37D633B846F1}">
+                <asvg:svgBlip xmlns:asvg="http://schemas.microsoft.com/office/drawing/2016/SVG/main" r:embed="rId3"/>
+              </a:ext>
+            </a:extLst>
+          </a:blip>
+          <a:stretch>
+            <a:fillRect/>
+          </a:stretch>
+        </p:blipFill>
+        <p:spPr>
+          <a:xfrm>
+            <a:off x="18864196" y="10620609"/>
+            <a:ext cx="10054519" cy="10054519"/>
+          </a:xfrm>
+          <a:prstGeom prst="rect">
+            <a:avLst/>
+          </a:prstGeom>
+          <a:effectLst>
+            <a:outerShdw blurRad="177800" dist="38100" dir="2700000" sx="102000" sy="102000" algn="tl" rotWithShape="0">
+              <a:prstClr val="black">
+                <a:alpha val="40000"/>
+              </a:prstClr>
+            </a:outerShdw>
+          </a:effectLst>
+        </p:spPr>
+      </p:pic>
+      <p:sp>
+        <p:nvSpPr>
+          <p:cNvPr id="9" name="ZoneTexte 8">
+            <a:extLst>
+              <a:ext uri="{FF2B5EF4-FFF2-40B4-BE49-F238E27FC236}">
+                <a16:creationId xmlns:a16="http://schemas.microsoft.com/office/drawing/2014/main" id="{FFCC2DB5-1E35-4DA8-A167-FBAC2FC36ED8}"/>
+              </a:ext>
+            </a:extLst>
+          </p:cNvPr>
+          <p:cNvSpPr txBox="1"/>
+          <p:nvPr/>
+        </p:nvSpPr>
+        <p:spPr>
+          <a:xfrm rot="21237303">
+            <a:off x="21416194" y="16718945"/>
+            <a:ext cx="4950522" cy="1200329"/>
+          </a:xfrm>
+          <a:prstGeom prst="rect">
+            <a:avLst/>
+          </a:prstGeom>
+          <a:solidFill>
+            <a:srgbClr val="835B9B"/>
+          </a:solidFill>
+          <a:effectLst>
+            <a:outerShdw blurRad="76200" dist="38100" dir="2700000" sx="102000" sy="102000" algn="tl" rotWithShape="0">
+              <a:prstClr val="black">
+                <a:alpha val="28000"/>
+              </a:prstClr>
+            </a:outerShdw>
+          </a:effectLst>
+        </p:spPr>
+        <p:txBody>
+          <a:bodyPr wrap="none" rtlCol="0">
+            <a:spAutoFit/>
+          </a:bodyPr>
+          <a:lstStyle/>
+          <a:p>
+            <a:r>
+              <a:rPr lang="fr-FR" sz="7200" dirty="0">
+                <a:solidFill>
+                  <a:schemeClr val="bg1"/>
+                </a:solidFill>
+                <a:latin typeface="Lexend"/>
+              </a:rPr>
+              <a:t>Organisation</a:t>
+            </a:r>
+          </a:p>
+        </p:txBody>
+      </p:sp>
+      <p:pic>
+        <p:nvPicPr>
+          <p:cNvPr id="10" name="Graphique 9" descr="Flèche : pivoter à droite avec un remplissage uni">
+            <a:extLst>
+              <a:ext uri="{FF2B5EF4-FFF2-40B4-BE49-F238E27FC236}">
+                <a16:creationId xmlns:a16="http://schemas.microsoft.com/office/drawing/2014/main" id="{F2365638-5F1E-4DD8-9833-E540FBCB3A1F}"/>
+              </a:ext>
+            </a:extLst>
+          </p:cNvPr>
+          <p:cNvPicPr>
+            <a:picLocks noChangeAspect="1"/>
+          </p:cNvPicPr>
+          <p:nvPr/>
+        </p:nvPicPr>
+        <p:blipFill>
+          <a:blip r:embed="rId4">
+            <a:extLst>
+              <a:ext uri="{28A0092B-C50C-407E-A947-70E740481C1C}">
+                <a14:useLocalDpi xmlns:a14="http://schemas.microsoft.com/office/drawing/2010/main" val="0"/>
+              </a:ext>
+              <a:ext uri="{96DAC541-7B7A-43D3-8B79-37D633B846F1}">
+                <asvg:svgBlip xmlns:asvg="http://schemas.microsoft.com/office/drawing/2016/SVG/main" r:embed="rId5"/>
+              </a:ext>
+            </a:extLst>
+          </a:blip>
+          <a:stretch>
+            <a:fillRect/>
+          </a:stretch>
+        </p:blipFill>
+        <p:spPr>
+          <a:xfrm rot="14798376" flipH="1">
+            <a:off x="16035161" y="15481564"/>
+            <a:ext cx="2773728" cy="2773728"/>
+          </a:xfrm>
+          <a:prstGeom prst="rect">
+            <a:avLst/>
+          </a:prstGeom>
+          <a:effectLst>
+            <a:outerShdw blurRad="50800" dist="38100" dir="2700000" algn="tl" rotWithShape="0">
+              <a:prstClr val="black">
+                <a:alpha val="40000"/>
+              </a:prstClr>
+            </a:outerShdw>
+          </a:effectLst>
+        </p:spPr>
+      </p:pic>
+      <p:sp>
+        <p:nvSpPr>
+          <p:cNvPr id="11" name="ZoneTexte 10">
+            <a:extLst>
+              <a:ext uri="{FF2B5EF4-FFF2-40B4-BE49-F238E27FC236}">
+                <a16:creationId xmlns:a16="http://schemas.microsoft.com/office/drawing/2014/main" id="{05894A1F-2EC9-4517-8DFA-D5D7F4DD7350}"/>
+              </a:ext>
+            </a:extLst>
+          </p:cNvPr>
+          <p:cNvSpPr txBox="1"/>
+          <p:nvPr/>
+        </p:nvSpPr>
+        <p:spPr>
+          <a:xfrm rot="21237303">
+            <a:off x="1938791" y="3010531"/>
+            <a:ext cx="16022986" cy="4093428"/>
+          </a:xfrm>
+          <a:prstGeom prst="rect">
+            <a:avLst/>
+          </a:prstGeom>
+          <a:solidFill>
+            <a:srgbClr val="835B9B"/>
+          </a:solidFill>
+          <a:effectLst>
+            <a:outerShdw blurRad="76200" dist="38100" dir="2700000" sx="102000" sy="102000" algn="tl" rotWithShape="0">
+              <a:prstClr val="black">
+                <a:alpha val="28000"/>
+              </a:prstClr>
+            </a:outerShdw>
+          </a:effectLst>
+        </p:spPr>
+        <p:txBody>
+          <a:bodyPr wrap="square" rtlCol="0">
+            <a:spAutoFit/>
+          </a:bodyPr>
+          <a:lstStyle/>
+          <a:p>
+            <a:r>
+              <a:rPr lang="fr-FR" sz="26000" dirty="0">
+                <a:solidFill>
+                  <a:schemeClr val="bg1"/>
+                </a:solidFill>
+                <a:latin typeface="Lexend"/>
+              </a:rPr>
+              <a:t>  BIMS’ DAY    </a:t>
+            </a:r>
+          </a:p>
+        </p:txBody>
+      </p:sp>
+      <p:pic>
+        <p:nvPicPr>
+          <p:cNvPr id="12" name="Image 11">
+            <a:extLst>
+              <a:ext uri="{FF2B5EF4-FFF2-40B4-BE49-F238E27FC236}">
+                <a16:creationId xmlns:a16="http://schemas.microsoft.com/office/drawing/2014/main" id="{7C9857C8-E509-4A4A-A14F-9628F4839D55}"/>
+              </a:ext>
+            </a:extLst>
+          </p:cNvPr>
+          <p:cNvPicPr>
+            <a:picLocks noChangeAspect="1"/>
+          </p:cNvPicPr>
+          <p:nvPr/>
+        </p:nvPicPr>
+        <p:blipFill>
+          <a:blip r:embed="rId6">
+            <a:extLst>
+              <a:ext uri="{28A0092B-C50C-407E-A947-70E740481C1C}">
+                <a14:useLocalDpi xmlns:a14="http://schemas.microsoft.com/office/drawing/2010/main" val="0"/>
+              </a:ext>
+            </a:extLst>
+          </a:blip>
+          <a:stretch>
+            <a:fillRect/>
+          </a:stretch>
+        </p:blipFill>
+        <p:spPr>
+          <a:xfrm rot="21385421">
+            <a:off x="16517954" y="522737"/>
+            <a:ext cx="12181300" cy="12181300"/>
+          </a:xfrm>
+          <a:prstGeom prst="rect">
+            <a:avLst/>
+          </a:prstGeom>
+          <a:effectLst>
+            <a:outerShdw blurRad="254000" dist="38100" dir="2700000" sx="101000" sy="101000" algn="tl" rotWithShape="0">
+              <a:prstClr val="black">
+                <a:alpha val="40000"/>
+              </a:prstClr>
+            </a:outerShdw>
+          </a:effectLst>
+        </p:spPr>
+      </p:pic>
+      <p:sp>
+        <p:nvSpPr>
+          <p:cNvPr id="13" name="ZoneTexte 12">
+            <a:extLst>
+              <a:ext uri="{FF2B5EF4-FFF2-40B4-BE49-F238E27FC236}">
+                <a16:creationId xmlns:a16="http://schemas.microsoft.com/office/drawing/2014/main" id="{1D41CD04-74CA-46EF-B4D7-8A574960151E}"/>
+              </a:ext>
+            </a:extLst>
+          </p:cNvPr>
+          <p:cNvSpPr txBox="1"/>
+          <p:nvPr/>
+        </p:nvSpPr>
+        <p:spPr>
+          <a:xfrm rot="21237303">
+            <a:off x="5145667" y="7619398"/>
+            <a:ext cx="8970726" cy="4093428"/>
+          </a:xfrm>
+          <a:prstGeom prst="rect">
+            <a:avLst/>
+          </a:prstGeom>
+          <a:solidFill>
+            <a:srgbClr val="1B7081"/>
+          </a:solidFill>
+          <a:effectLst>
+            <a:outerShdw blurRad="76200" dist="38100" dir="2700000" sx="102000" sy="102000" algn="tl" rotWithShape="0">
+              <a:prstClr val="black">
+                <a:alpha val="28000"/>
+              </a:prstClr>
+            </a:outerShdw>
+          </a:effectLst>
+        </p:spPr>
+        <p:txBody>
+          <a:bodyPr wrap="none" rtlCol="0">
+            <a:spAutoFit/>
+          </a:bodyPr>
+          <a:lstStyle/>
+          <a:p>
+            <a:r>
+              <a:rPr lang="fr-FR" sz="26000" dirty="0">
+                <a:solidFill>
+                  <a:schemeClr val="bg1"/>
+                </a:solidFill>
+                <a:latin typeface="Lexend"/>
+              </a:rPr>
+              <a:t>25 ans</a:t>
+            </a:r>
+          </a:p>
+        </p:txBody>
+      </p:sp>
+    </p:spTree>
+    <p:extLst>
+      <p:ext uri="{BB962C8B-B14F-4D97-AF65-F5344CB8AC3E}">
+        <p14:creationId xmlns:p14="http://schemas.microsoft.com/office/powerpoint/2010/main" val="2549418542"/>
+      </p:ext>
+    </p:extLst>
+  </p:cSld>
+  <p:clrMapOvr>
+    <a:masterClrMapping/>
+  </p:clrMapOvr>
+</p:sld>
+</file>
+
+<file path=ppt/slides/slide3.xml><?xml version="1.0" encoding="utf-8"?>
+<p:sld xmlns:a="http://schemas.openxmlformats.org/drawingml/2006/main" xmlns:r="http://schemas.openxmlformats.org/officeDocument/2006/relationships" xmlns:p="http://schemas.openxmlformats.org/presentationml/2006/main">
+  <p:cSld>
+    <p:spTree>
+      <p:nvGrpSpPr>
+        <p:cNvPr id="1" name=""/>
+        <p:cNvGrpSpPr/>
+        <p:nvPr/>
+      </p:nvGrpSpPr>
+      <p:grpSpPr>
+        <a:xfrm>
+          <a:off x="0" y="0"/>
+          <a:ext cx="0" cy="0"/>
+          <a:chOff x="0" y="0"/>
+          <a:chExt cx="0" cy="0"/>
+        </a:xfrm>
+      </p:grpSpPr>
+      <p:sp>
+        <p:nvSpPr>
+          <p:cNvPr id="2" name="Rectangle 1">
+            <a:extLst>
+              <a:ext uri="{FF2B5EF4-FFF2-40B4-BE49-F238E27FC236}">
+                <a16:creationId xmlns:a16="http://schemas.microsoft.com/office/drawing/2014/main" id="{FCB650D4-3846-4BF2-8828-B5FFB2B4789C}"/>
+              </a:ext>
+            </a:extLst>
+          </p:cNvPr>
+          <p:cNvSpPr/>
+          <p:nvPr/>
+        </p:nvSpPr>
+        <p:spPr>
+          <a:xfrm>
+            <a:off x="0" y="0"/>
+            <a:ext cx="30600650" cy="19799300"/>
+          </a:xfrm>
+          <a:prstGeom prst="rect">
+            <a:avLst/>
+          </a:prstGeom>
+          <a:solidFill>
+            <a:srgbClr val="1B7081">
+              <a:alpha val="56078"/>
+            </a:srgbClr>
+          </a:solidFill>
+          <a:ln>
+            <a:noFill/>
+          </a:ln>
+        </p:spPr>
+        <p:style>
+          <a:lnRef idx="2">
+            <a:schemeClr val="accent1">
+              <a:shade val="50000"/>
+            </a:schemeClr>
+          </a:lnRef>
+          <a:fillRef idx="1">
+            <a:schemeClr val="accent1"/>
+          </a:fillRef>
+          <a:effectRef idx="0">
+            <a:schemeClr val="accent1"/>
+          </a:effectRef>
+          <a:fontRef idx="minor">
+            <a:schemeClr val="lt1"/>
+          </a:fontRef>
+        </p:style>
+        <p:txBody>
+          <a:bodyPr rtlCol="0" anchor="ctr"/>
+          <a:lstStyle/>
+          <a:p>
+            <a:pPr algn="ctr"/>
+            <a:endParaRPr lang="fr-FR" dirty="0"/>
+          </a:p>
+        </p:txBody>
+      </p:sp>
+      <p:sp>
+        <p:nvSpPr>
+          <p:cNvPr id="5" name="Forme libre : forme 4">
+            <a:extLst>
+              <a:ext uri="{FF2B5EF4-FFF2-40B4-BE49-F238E27FC236}">
+                <a16:creationId xmlns:a16="http://schemas.microsoft.com/office/drawing/2014/main" id="{F36E0397-13E3-442C-B54C-A641ED3E07DC}"/>
+              </a:ext>
+            </a:extLst>
+          </p:cNvPr>
+          <p:cNvSpPr/>
+          <p:nvPr/>
+        </p:nvSpPr>
+        <p:spPr>
+          <a:xfrm rot="5068837">
+            <a:off x="414644" y="-7318412"/>
+            <a:ext cx="30630904" cy="40213094"/>
+          </a:xfrm>
+          <a:custGeom>
+            <a:avLst/>
+            <a:gdLst>
+              <a:gd name="connsiteX0" fmla="*/ 2031863 w 7684518"/>
+              <a:gd name="connsiteY0" fmla="*/ 0 h 12122634"/>
+              <a:gd name="connsiteX1" fmla="*/ 559323 w 7684518"/>
+              <a:gd name="connsiteY1" fmla="*/ 1900052 h 12122634"/>
+              <a:gd name="connsiteX2" fmla="*/ 1628102 w 7684518"/>
+              <a:gd name="connsiteY2" fmla="*/ 5427024 h 12122634"/>
+              <a:gd name="connsiteX3" fmla="*/ 72435 w 7684518"/>
+              <a:gd name="connsiteY3" fmla="*/ 11614068 h 12122634"/>
+              <a:gd name="connsiteX4" fmla="*/ 4430679 w 7684518"/>
+              <a:gd name="connsiteY4" fmla="*/ 11519065 h 12122634"/>
+              <a:gd name="connsiteX5" fmla="*/ 3445027 w 7684518"/>
+              <a:gd name="connsiteY5" fmla="*/ 9512136 h 12122634"/>
+              <a:gd name="connsiteX6" fmla="*/ 7684518 w 7684518"/>
+              <a:gd name="connsiteY6" fmla="*/ 6531429 h 12122634"/>
+            </a:gdLst>
+            <a:ahLst/>
+            <a:cxnLst>
+              <a:cxn ang="0">
+                <a:pos x="connsiteX0" y="connsiteY0"/>
+              </a:cxn>
+              <a:cxn ang="0">
+                <a:pos x="connsiteX1" y="connsiteY1"/>
+              </a:cxn>
+              <a:cxn ang="0">
+                <a:pos x="connsiteX2" y="connsiteY2"/>
+              </a:cxn>
+              <a:cxn ang="0">
+                <a:pos x="connsiteX3" y="connsiteY3"/>
+              </a:cxn>
+              <a:cxn ang="0">
+                <a:pos x="connsiteX4" y="connsiteY4"/>
+              </a:cxn>
+              <a:cxn ang="0">
+                <a:pos x="connsiteX5" y="connsiteY5"/>
+              </a:cxn>
+              <a:cxn ang="0">
+                <a:pos x="connsiteX6" y="connsiteY6"/>
+              </a:cxn>
+            </a:cxnLst>
+            <a:rect l="l" t="t" r="r" b="b"/>
+            <a:pathLst>
+              <a:path w="7684518" h="12122634">
+                <a:moveTo>
+                  <a:pt x="2031863" y="0"/>
+                </a:moveTo>
+                <a:cubicBezTo>
+                  <a:pt x="1329239" y="497774"/>
+                  <a:pt x="626616" y="995548"/>
+                  <a:pt x="559323" y="1900052"/>
+                </a:cubicBezTo>
+                <a:cubicBezTo>
+                  <a:pt x="492030" y="2804556"/>
+                  <a:pt x="1709250" y="3808021"/>
+                  <a:pt x="1628102" y="5427024"/>
+                </a:cubicBezTo>
+                <a:cubicBezTo>
+                  <a:pt x="1546954" y="7046027"/>
+                  <a:pt x="-394661" y="10598728"/>
+                  <a:pt x="72435" y="11614068"/>
+                </a:cubicBezTo>
+                <a:cubicBezTo>
+                  <a:pt x="539531" y="12629408"/>
+                  <a:pt x="3868580" y="11869387"/>
+                  <a:pt x="4430679" y="11519065"/>
+                </a:cubicBezTo>
+                <a:cubicBezTo>
+                  <a:pt x="4992778" y="11168743"/>
+                  <a:pt x="2902721" y="10343409"/>
+                  <a:pt x="3445027" y="9512136"/>
+                </a:cubicBezTo>
+                <a:cubicBezTo>
+                  <a:pt x="3987333" y="8680863"/>
+                  <a:pt x="6647406" y="7020297"/>
+                  <a:pt x="7684518" y="6531429"/>
+                </a:cubicBezTo>
+              </a:path>
+            </a:pathLst>
+          </a:custGeom>
+          <a:noFill/>
+          <a:ln w="222250">
+            <a:solidFill>
+              <a:srgbClr val="F6AF34">
+                <a:alpha val="74902"/>
+              </a:srgbClr>
+            </a:solidFill>
+          </a:ln>
+        </p:spPr>
+        <p:style>
+          <a:lnRef idx="2">
+            <a:schemeClr val="accent1">
+              <a:shade val="50000"/>
+            </a:schemeClr>
+          </a:lnRef>
+          <a:fillRef idx="1">
+            <a:schemeClr val="accent1"/>
+          </a:fillRef>
+          <a:effectRef idx="0">
+            <a:schemeClr val="accent1"/>
+          </a:effectRef>
+          <a:fontRef idx="minor">
+            <a:schemeClr val="lt1"/>
+          </a:fontRef>
+        </p:style>
+        <p:txBody>
+          <a:bodyPr rtlCol="0" anchor="ctr"/>
+          <a:lstStyle/>
+          <a:p>
+            <a:pPr algn="ctr"/>
+            <a:endParaRPr lang="fr-FR" dirty="0"/>
+          </a:p>
+        </p:txBody>
+      </p:sp>
+      <p:sp>
+        <p:nvSpPr>
+          <p:cNvPr id="9" name="ZoneTexte 8">
+            <a:extLst>
+              <a:ext uri="{FF2B5EF4-FFF2-40B4-BE49-F238E27FC236}">
+                <a16:creationId xmlns:a16="http://schemas.microsoft.com/office/drawing/2014/main" id="{FFCC2DB5-1E35-4DA8-A167-FBAC2FC36ED8}"/>
+              </a:ext>
+            </a:extLst>
+          </p:cNvPr>
+          <p:cNvSpPr txBox="1"/>
+          <p:nvPr/>
+        </p:nvSpPr>
+        <p:spPr>
+          <a:xfrm rot="21237303">
+            <a:off x="5363228" y="14183974"/>
+            <a:ext cx="21283070" cy="3154710"/>
+          </a:xfrm>
+          <a:prstGeom prst="rect">
+            <a:avLst/>
+          </a:prstGeom>
+          <a:solidFill>
+            <a:srgbClr val="835B9B"/>
+          </a:solidFill>
+          <a:effectLst>
+            <a:outerShdw blurRad="76200" dist="38100" dir="2700000" sx="102000" sy="102000" algn="tl" rotWithShape="0">
+              <a:prstClr val="black">
+                <a:alpha val="28000"/>
+              </a:prstClr>
+            </a:outerShdw>
+          </a:effectLst>
+        </p:spPr>
+        <p:txBody>
+          <a:bodyPr wrap="none" rtlCol="0">
+            <a:spAutoFit/>
+          </a:bodyPr>
+          <a:lstStyle/>
+          <a:p>
+            <a:r>
+              <a:rPr lang="fr-FR" sz="19900" dirty="0">
+                <a:solidFill>
+                  <a:schemeClr val="bg1"/>
+                </a:solidFill>
+                <a:latin typeface="Lexend"/>
+              </a:rPr>
+              <a:t>Équipe pédagogique</a:t>
+            </a:r>
+          </a:p>
+        </p:txBody>
+      </p:sp>
+      <p:sp>
+        <p:nvSpPr>
+          <p:cNvPr id="11" name="ZoneTexte 10">
+            <a:extLst>
+              <a:ext uri="{FF2B5EF4-FFF2-40B4-BE49-F238E27FC236}">
+                <a16:creationId xmlns:a16="http://schemas.microsoft.com/office/drawing/2014/main" id="{05894A1F-2EC9-4517-8DFA-D5D7F4DD7350}"/>
+              </a:ext>
+            </a:extLst>
+          </p:cNvPr>
+          <p:cNvSpPr txBox="1"/>
+          <p:nvPr/>
+        </p:nvSpPr>
+        <p:spPr>
+          <a:xfrm rot="21237303">
+            <a:off x="1938791" y="3010531"/>
+            <a:ext cx="16022986" cy="4093428"/>
+          </a:xfrm>
+          <a:prstGeom prst="rect">
+            <a:avLst/>
+          </a:prstGeom>
+          <a:solidFill>
+            <a:srgbClr val="835B9B"/>
+          </a:solidFill>
+          <a:effectLst>
+            <a:outerShdw blurRad="76200" dist="38100" dir="2700000" sx="102000" sy="102000" algn="tl" rotWithShape="0">
+              <a:prstClr val="black">
+                <a:alpha val="28000"/>
+              </a:prstClr>
+            </a:outerShdw>
+          </a:effectLst>
+        </p:spPr>
+        <p:txBody>
+          <a:bodyPr wrap="square" rtlCol="0">
+            <a:spAutoFit/>
+          </a:bodyPr>
+          <a:lstStyle/>
+          <a:p>
+            <a:r>
+              <a:rPr lang="fr-FR" sz="26000" dirty="0">
+                <a:solidFill>
+                  <a:schemeClr val="bg1"/>
+                </a:solidFill>
+                <a:latin typeface="Lexend"/>
+              </a:rPr>
+              <a:t>  BIMS’ DAY    </a:t>
+            </a:r>
+          </a:p>
+        </p:txBody>
+      </p:sp>
+      <p:pic>
+        <p:nvPicPr>
+          <p:cNvPr id="12" name="Image 11">
+            <a:extLst>
+              <a:ext uri="{FF2B5EF4-FFF2-40B4-BE49-F238E27FC236}">
+                <a16:creationId xmlns:a16="http://schemas.microsoft.com/office/drawing/2014/main" id="{7C9857C8-E509-4A4A-A14F-9628F4839D55}"/>
+              </a:ext>
+            </a:extLst>
+          </p:cNvPr>
+          <p:cNvPicPr>
+            <a:picLocks noChangeAspect="1"/>
+          </p:cNvPicPr>
+          <p:nvPr/>
+        </p:nvPicPr>
+        <p:blipFill>
+          <a:blip r:embed="rId2">
+            <a:extLst>
+              <a:ext uri="{28A0092B-C50C-407E-A947-70E740481C1C}">
+                <a14:useLocalDpi xmlns:a14="http://schemas.microsoft.com/office/drawing/2010/main" val="0"/>
+              </a:ext>
+            </a:extLst>
+          </a:blip>
+          <a:stretch>
+            <a:fillRect/>
+          </a:stretch>
+        </p:blipFill>
+        <p:spPr>
+          <a:xfrm rot="21385421">
+            <a:off x="16517954" y="522737"/>
+            <a:ext cx="12181300" cy="12181300"/>
+          </a:xfrm>
+          <a:prstGeom prst="rect">
+            <a:avLst/>
+          </a:prstGeom>
+          <a:effectLst>
+            <a:outerShdw blurRad="254000" dist="38100" dir="2700000" sx="101000" sy="101000" algn="tl" rotWithShape="0">
+              <a:prstClr val="black">
+                <a:alpha val="40000"/>
+              </a:prstClr>
+            </a:outerShdw>
+          </a:effectLst>
+        </p:spPr>
+      </p:pic>
+      <p:sp>
+        <p:nvSpPr>
+          <p:cNvPr id="13" name="ZoneTexte 12">
+            <a:extLst>
+              <a:ext uri="{FF2B5EF4-FFF2-40B4-BE49-F238E27FC236}">
+                <a16:creationId xmlns:a16="http://schemas.microsoft.com/office/drawing/2014/main" id="{1D41CD04-74CA-46EF-B4D7-8A574960151E}"/>
+              </a:ext>
+            </a:extLst>
+          </p:cNvPr>
+          <p:cNvSpPr txBox="1"/>
+          <p:nvPr/>
+        </p:nvSpPr>
+        <p:spPr>
+          <a:xfrm rot="21237303">
+            <a:off x="5145667" y="7619398"/>
+            <a:ext cx="8970726" cy="4093428"/>
+          </a:xfrm>
+          <a:prstGeom prst="rect">
+            <a:avLst/>
+          </a:prstGeom>
+          <a:solidFill>
+            <a:srgbClr val="F6AF34"/>
+          </a:solidFill>
+          <a:effectLst>
+            <a:outerShdw blurRad="76200" dist="38100" dir="2700000" sx="102000" sy="102000" algn="tl" rotWithShape="0">
+              <a:prstClr val="black">
+                <a:alpha val="28000"/>
+              </a:prstClr>
+            </a:outerShdw>
+          </a:effectLst>
+        </p:spPr>
+        <p:txBody>
+          <a:bodyPr wrap="none" rtlCol="0">
+            <a:spAutoFit/>
+          </a:bodyPr>
+          <a:lstStyle/>
+          <a:p>
+            <a:r>
+              <a:rPr lang="fr-FR" sz="26000" dirty="0">
+                <a:solidFill>
+                  <a:schemeClr val="bg1"/>
+                </a:solidFill>
+                <a:latin typeface="Lexend"/>
+              </a:rPr>
+              <a:t>25 ans</a:t>
+            </a:r>
+          </a:p>
+        </p:txBody>
+      </p:sp>
+    </p:spTree>
+    <p:extLst>
+      <p:ext uri="{BB962C8B-B14F-4D97-AF65-F5344CB8AC3E}">
+        <p14:creationId xmlns:p14="http://schemas.microsoft.com/office/powerpoint/2010/main" val="2485898682"/>
       </p:ext>
     </p:extLst>
   </p:cSld>

--- a/src/bims_tour_coup.pptx
+++ b/src/bims_tour_coup.pptx
@@ -245,7 +245,7 @@
           <a:p>
             <a:fld id="{666437CF-6810-4A08-BF63-137A709DEE82}" type="datetimeFigureOut">
               <a:rPr lang="fr-FR" smtClean="0"/>
-              <a:t>17/12/2024</a:t>
+              <a:t>18/12/2024</a:t>
             </a:fld>
             <a:endParaRPr lang="fr-FR" dirty="0"/>
           </a:p>
@@ -415,7 +415,7 @@
           <a:p>
             <a:fld id="{666437CF-6810-4A08-BF63-137A709DEE82}" type="datetimeFigureOut">
               <a:rPr lang="fr-FR" smtClean="0"/>
-              <a:t>17/12/2024</a:t>
+              <a:t>18/12/2024</a:t>
             </a:fld>
             <a:endParaRPr lang="fr-FR" dirty="0"/>
           </a:p>
@@ -595,7 +595,7 @@
           <a:p>
             <a:fld id="{666437CF-6810-4A08-BF63-137A709DEE82}" type="datetimeFigureOut">
               <a:rPr lang="fr-FR" smtClean="0"/>
-              <a:t>17/12/2024</a:t>
+              <a:t>18/12/2024</a:t>
             </a:fld>
             <a:endParaRPr lang="fr-FR" dirty="0"/>
           </a:p>
@@ -765,7 +765,7 @@
           <a:p>
             <a:fld id="{666437CF-6810-4A08-BF63-137A709DEE82}" type="datetimeFigureOut">
               <a:rPr lang="fr-FR" smtClean="0"/>
-              <a:t>17/12/2024</a:t>
+              <a:t>18/12/2024</a:t>
             </a:fld>
             <a:endParaRPr lang="fr-FR" dirty="0"/>
           </a:p>
@@ -1009,7 +1009,7 @@
           <a:p>
             <a:fld id="{666437CF-6810-4A08-BF63-137A709DEE82}" type="datetimeFigureOut">
               <a:rPr lang="fr-FR" smtClean="0"/>
-              <a:t>17/12/2024</a:t>
+              <a:t>18/12/2024</a:t>
             </a:fld>
             <a:endParaRPr lang="fr-FR" dirty="0"/>
           </a:p>
@@ -1241,7 +1241,7 @@
           <a:p>
             <a:fld id="{666437CF-6810-4A08-BF63-137A709DEE82}" type="datetimeFigureOut">
               <a:rPr lang="fr-FR" smtClean="0"/>
-              <a:t>17/12/2024</a:t>
+              <a:t>18/12/2024</a:t>
             </a:fld>
             <a:endParaRPr lang="fr-FR" dirty="0"/>
           </a:p>
@@ -1608,7 +1608,7 @@
           <a:p>
             <a:fld id="{666437CF-6810-4A08-BF63-137A709DEE82}" type="datetimeFigureOut">
               <a:rPr lang="fr-FR" smtClean="0"/>
-              <a:t>17/12/2024</a:t>
+              <a:t>18/12/2024</a:t>
             </a:fld>
             <a:endParaRPr lang="fr-FR" dirty="0"/>
           </a:p>
@@ -1726,7 +1726,7 @@
           <a:p>
             <a:fld id="{666437CF-6810-4A08-BF63-137A709DEE82}" type="datetimeFigureOut">
               <a:rPr lang="fr-FR" smtClean="0"/>
-              <a:t>17/12/2024</a:t>
+              <a:t>18/12/2024</a:t>
             </a:fld>
             <a:endParaRPr lang="fr-FR" dirty="0"/>
           </a:p>
@@ -1821,7 +1821,7 @@
           <a:p>
             <a:fld id="{666437CF-6810-4A08-BF63-137A709DEE82}" type="datetimeFigureOut">
               <a:rPr lang="fr-FR" smtClean="0"/>
-              <a:t>17/12/2024</a:t>
+              <a:t>18/12/2024</a:t>
             </a:fld>
             <a:endParaRPr lang="fr-FR" dirty="0"/>
           </a:p>
@@ -2098,7 +2098,7 @@
           <a:p>
             <a:fld id="{666437CF-6810-4A08-BF63-137A709DEE82}" type="datetimeFigureOut">
               <a:rPr lang="fr-FR" smtClean="0"/>
-              <a:t>17/12/2024</a:t>
+              <a:t>18/12/2024</a:t>
             </a:fld>
             <a:endParaRPr lang="fr-FR" dirty="0"/>
           </a:p>
@@ -2355,7 +2355,7 @@
           <a:p>
             <a:fld id="{666437CF-6810-4A08-BF63-137A709DEE82}" type="datetimeFigureOut">
               <a:rPr lang="fr-FR" smtClean="0"/>
-              <a:t>17/12/2024</a:t>
+              <a:t>18/12/2024</a:t>
             </a:fld>
             <a:endParaRPr lang="fr-FR" dirty="0"/>
           </a:p>
@@ -2568,7 +2568,7 @@
           <a:p>
             <a:fld id="{666437CF-6810-4A08-BF63-137A709DEE82}" type="datetimeFigureOut">
               <a:rPr lang="fr-FR" smtClean="0"/>
-              <a:t>17/12/2024</a:t>
+              <a:t>18/12/2024</a:t>
             </a:fld>
             <a:endParaRPr lang="fr-FR" dirty="0"/>
           </a:p>
@@ -4026,8 +4026,8 @@
         </p:nvSpPr>
         <p:spPr>
           <a:xfrm rot="21237303">
-            <a:off x="5363228" y="14183974"/>
-            <a:ext cx="21283070" cy="3154710"/>
+            <a:off x="918768" y="14170663"/>
+            <a:ext cx="8072605" cy="3631763"/>
           </a:xfrm>
           <a:prstGeom prst="rect">
             <a:avLst/>
@@ -4044,13 +4044,14 @@
           </a:effectLst>
         </p:spPr>
         <p:txBody>
-          <a:bodyPr wrap="none" rtlCol="0">
+          <a:bodyPr wrap="square" rtlCol="0">
             <a:spAutoFit/>
           </a:bodyPr>
           <a:lstStyle/>
           <a:p>
-            <a:r>
-              <a:rPr lang="fr-FR" sz="19900" dirty="0">
+            <a:pPr algn="ctr"/>
+            <a:r>
+              <a:rPr lang="fr-FR" sz="11500" dirty="0">
                 <a:solidFill>
                   <a:schemeClr val="bg1"/>
                 </a:solidFill>
@@ -4199,6 +4200,60 @@
               </a:rPr>
               <a:t>25 ans</a:t>
             </a:r>
+          </a:p>
+        </p:txBody>
+      </p:sp>
+      <p:sp>
+        <p:nvSpPr>
+          <p:cNvPr id="10" name="Rectangle 9">
+            <a:extLst>
+              <a:ext uri="{FF2B5EF4-FFF2-40B4-BE49-F238E27FC236}">
+                <a16:creationId xmlns:a16="http://schemas.microsoft.com/office/drawing/2014/main" id="{C86C8450-B566-49E5-A54E-1D89D0B18A3A}"/>
+              </a:ext>
+            </a:extLst>
+          </p:cNvPr>
+          <p:cNvSpPr/>
+          <p:nvPr/>
+        </p:nvSpPr>
+        <p:spPr>
+          <a:xfrm>
+            <a:off x="10096500" y="12502129"/>
+            <a:ext cx="17983200" cy="6467190"/>
+          </a:xfrm>
+          <a:prstGeom prst="rect">
+            <a:avLst/>
+          </a:prstGeom>
+          <a:solidFill>
+            <a:srgbClr val="835B9B">
+              <a:alpha val="65882"/>
+            </a:srgbClr>
+          </a:solidFill>
+          <a:effectLst>
+            <a:softEdge rad="635000"/>
+          </a:effectLst>
+        </p:spPr>
+        <p:style>
+          <a:lnRef idx="2">
+            <a:schemeClr val="accent1">
+              <a:shade val="50000"/>
+            </a:schemeClr>
+          </a:lnRef>
+          <a:fillRef idx="1">
+            <a:schemeClr val="accent1"/>
+          </a:fillRef>
+          <a:effectRef idx="0">
+            <a:schemeClr val="accent1"/>
+          </a:effectRef>
+          <a:fontRef idx="minor">
+            <a:schemeClr val="lt1"/>
+          </a:fontRef>
+        </p:style>
+        <p:txBody>
+          <a:bodyPr rtlCol="0" anchor="ctr"/>
+          <a:lstStyle/>
+          <a:p>
+            <a:pPr algn="ctr"/>
+            <a:endParaRPr lang="fr-FR"/>
           </a:p>
         </p:txBody>
       </p:sp>
